--- a/Skaidres/WcDonaldas_5Sprintas.pptx
+++ b/Skaidres/WcDonaldas_5Sprintas.pptx
@@ -14,7 +14,7 @@
     <p:sldId id="266" r:id="rId5"/>
     <p:sldId id="267" r:id="rId6"/>
     <p:sldId id="268" r:id="rId7"/>
-    <p:sldId id="270" r:id="rId8"/>
+    <p:sldId id="271" r:id="rId8"/>
     <p:sldId id="269" r:id="rId9"/>
     <p:sldId id="265" r:id="rId10"/>
   </p:sldIdLst>
@@ -1430,7 +1430,7 @@
         <p:cNvPr id="1" name="Shape 81">
           <a:extLst>
             <a:ext uri="{FF2B5EF4-FFF2-40B4-BE49-F238E27FC236}">
-              <a16:creationId xmlns:a16="http://schemas.microsoft.com/office/drawing/2014/main" id="{DCB5E86F-BFE4-480F-D16B-5B74C2BE8329}"/>
+              <a16:creationId xmlns:a16="http://schemas.microsoft.com/office/drawing/2014/main" id="{705EB2B2-CD00-5FF4-1CC9-CEFA3FD9F2CC}"/>
             </a:ext>
           </a:extLst>
         </p:cNvPr>
@@ -1450,7 +1450,7 @@
           <p:cNvPr id="82" name="Google Shape;82;g300c7c21a7b_1_3:notes">
             <a:extLst>
               <a:ext uri="{FF2B5EF4-FFF2-40B4-BE49-F238E27FC236}">
-                <a16:creationId xmlns:a16="http://schemas.microsoft.com/office/drawing/2014/main" id="{5E313BA6-0BCB-C3B4-848B-F6EF86B48469}"/>
+                <a16:creationId xmlns:a16="http://schemas.microsoft.com/office/drawing/2014/main" id="{5A7D3475-3B0C-46B2-B913-5D872D9C9DFB}"/>
               </a:ext>
             </a:extLst>
           </p:cNvPr>
@@ -1497,7 +1497,7 @@
           <p:cNvPr id="83" name="Google Shape;83;g300c7c21a7b_1_3:notes">
             <a:extLst>
               <a:ext uri="{FF2B5EF4-FFF2-40B4-BE49-F238E27FC236}">
-                <a16:creationId xmlns:a16="http://schemas.microsoft.com/office/drawing/2014/main" id="{B30E886F-D034-151A-5661-1294E0DF73DD}"/>
+                <a16:creationId xmlns:a16="http://schemas.microsoft.com/office/drawing/2014/main" id="{B892F311-0047-569D-1A3B-0E9452D225D5}"/>
               </a:ext>
             </a:extLst>
           </p:cNvPr>
@@ -1539,7 +1539,7 @@
     </p:spTree>
     <p:extLst>
       <p:ext uri="{BB962C8B-B14F-4D97-AF65-F5344CB8AC3E}">
-        <p14:creationId xmlns:p14="http://schemas.microsoft.com/office/powerpoint/2010/main" val="368683159"/>
+        <p14:creationId xmlns:p14="http://schemas.microsoft.com/office/powerpoint/2010/main" val="2000171543"/>
       </p:ext>
     </p:extLst>
   </p:cSld>
@@ -7778,7 +7778,7 @@
         <p:cNvPr id="1" name="Shape 84">
           <a:extLst>
             <a:ext uri="{FF2B5EF4-FFF2-40B4-BE49-F238E27FC236}">
-              <a16:creationId xmlns:a16="http://schemas.microsoft.com/office/drawing/2014/main" id="{F4D80067-B310-B748-FBA5-7611528581DD}"/>
+              <a16:creationId xmlns:a16="http://schemas.microsoft.com/office/drawing/2014/main" id="{4B880A67-FBA3-35DE-EFD6-F54268CAF7D3}"/>
             </a:ext>
           </a:extLst>
         </p:cNvPr>
@@ -7798,7 +7798,7 @@
           <p:cNvPr id="85" name="Google Shape;85;p15">
             <a:extLst>
               <a:ext uri="{FF2B5EF4-FFF2-40B4-BE49-F238E27FC236}">
-                <a16:creationId xmlns:a16="http://schemas.microsoft.com/office/drawing/2014/main" id="{3C8CED8A-7132-8764-C961-B6EADC1F00AD}"/>
+                <a16:creationId xmlns:a16="http://schemas.microsoft.com/office/drawing/2014/main" id="{6926889C-FA56-73F5-BD1C-C28E7B9E165C}"/>
               </a:ext>
             </a:extLst>
           </p:cNvPr>
@@ -7834,12 +7834,36 @@
               <a:buNone/>
             </a:pPr>
             <a:r>
-              <a:rPr lang="lt-LT" sz="3600" dirty="0">
+              <a:rPr lang="en-US" sz="3600" dirty="0" err="1">
                 <a:solidFill>
                   <a:schemeClr val="dk1"/>
                 </a:solidFill>
               </a:rPr>
-              <a:t>Another PSA</a:t>
+              <a:t>Kitam</a:t>
+            </a:r>
+            <a:r>
+              <a:rPr lang="en-US" sz="3600" dirty="0">
+                <a:solidFill>
+                  <a:schemeClr val="dk1"/>
+                </a:solidFill>
+              </a:rPr>
+              <a:t> </a:t>
+            </a:r>
+            <a:r>
+              <a:rPr lang="en-US" sz="3600" dirty="0" err="1">
+                <a:solidFill>
+                  <a:schemeClr val="dk1"/>
+                </a:solidFill>
+              </a:rPr>
+              <a:t>kartui</a:t>
+            </a:r>
+            <a:r>
+              <a:rPr lang="en-US" sz="3600" dirty="0">
+                <a:solidFill>
+                  <a:schemeClr val="dk1"/>
+                </a:solidFill>
+              </a:rPr>
+              <a:t>:</a:t>
             </a:r>
             <a:endParaRPr sz="2400" dirty="0"/>
           </a:p>
@@ -7850,7 +7874,7 @@
           <p:cNvPr id="2" name="TextBox 1">
             <a:extLst>
               <a:ext uri="{FF2B5EF4-FFF2-40B4-BE49-F238E27FC236}">
-                <a16:creationId xmlns:a16="http://schemas.microsoft.com/office/drawing/2014/main" id="{5355B583-C987-8048-B83A-E2E004B0AFF8}"/>
+                <a16:creationId xmlns:a16="http://schemas.microsoft.com/office/drawing/2014/main" id="{A01D6049-80D4-B43E-8751-1F2C72F53A67}"/>
               </a:ext>
             </a:extLst>
           </p:cNvPr>
@@ -7860,7 +7884,7 @@
         <p:spPr>
           <a:xfrm>
             <a:off x="540327" y="1154545"/>
-            <a:ext cx="4031673" cy="523220"/>
+            <a:ext cx="4031673" cy="2246769"/>
           </a:xfrm>
           <a:prstGeom prst="rect">
             <a:avLst/>
@@ -7874,9 +7898,43 @@
           <a:lstStyle/>
           <a:p>
             <a:r>
+              <a:rPr lang="en-US" dirty="0" err="1"/>
+              <a:t>Duoti</a:t>
+            </a:r>
+            <a:r>
+              <a:rPr lang="en-US" dirty="0"/>
+              <a:t> </a:t>
+            </a:r>
+            <a:r>
               <a:rPr lang="lt-LT" dirty="0"/>
-              <a:t>Žinokit savo žaidimo ribas, lengva atsitrenkt į stalą ar kėdę kepant burgerius</a:t>
+              <a:t>žaidėjui papildomų VR įsijautimo dalių (svirtis burgeriam/ giluminė gruzdintuvė bulvytėm)</a:t>
             </a:r>
+          </a:p>
+          <a:p>
+            <a:endParaRPr lang="lt-LT" dirty="0"/>
+          </a:p>
+          <a:p>
+            <a:r>
+              <a:rPr lang="lt-LT" dirty="0"/>
+              <a:t>Patobulinti klientų elgesį.</a:t>
+            </a:r>
+          </a:p>
+          <a:p>
+            <a:endParaRPr lang="lt-LT" dirty="0"/>
+          </a:p>
+          <a:p>
+            <a:r>
+              <a:rPr lang="lt-LT" dirty="0"/>
+              <a:t>Pagaliau padaryti UI</a:t>
+            </a:r>
+          </a:p>
+          <a:p>
+            <a:endParaRPr lang="lt-LT" dirty="0"/>
+          </a:p>
+          <a:p>
+            <a:endParaRPr lang="lt-LT" dirty="0"/>
+          </a:p>
+          <a:p>
             <a:endParaRPr lang="en-US" dirty="0"/>
           </a:p>
         </p:txBody>
@@ -7886,7 +7944,7 @@
           <p:cNvPr id="1026" name="Picture 2" descr="2,753 Woman Her Legs On Table Images, Stock Photos, 3D objects, &amp; Vectors |  Shutterstock">
             <a:extLst>
               <a:ext uri="{FF2B5EF4-FFF2-40B4-BE49-F238E27FC236}">
-                <a16:creationId xmlns:a16="http://schemas.microsoft.com/office/drawing/2014/main" id="{14C53FE6-9AD2-C79A-D00C-17FCDCD1A28E}"/>
+                <a16:creationId xmlns:a16="http://schemas.microsoft.com/office/drawing/2014/main" id="{40D7C004-5C33-56D2-4C5F-7E499FF9FFEA}"/>
               </a:ext>
             </a:extLst>
           </p:cNvPr>
@@ -7931,7 +7989,7 @@
     </p:spTree>
     <p:extLst>
       <p:ext uri="{BB962C8B-B14F-4D97-AF65-F5344CB8AC3E}">
-        <p14:creationId xmlns:p14="http://schemas.microsoft.com/office/powerpoint/2010/main" val="1137662078"/>
+        <p14:creationId xmlns:p14="http://schemas.microsoft.com/office/powerpoint/2010/main" val="2118049988"/>
       </p:ext>
     </p:extLst>
   </p:cSld>
